--- a/DL Travel Experts.pptx
+++ b/DL Travel Experts.pptx
@@ -7692,7 +7692,7 @@
                   </a:schemeClr>
                 </a:solidFill>
               </a:rPr>
-              <a:t>Experts</a:t>
+              <a:t>Experts Project</a:t>
             </a:r>
             <a:endParaRPr lang="en-US" b="1" dirty="0">
               <a:solidFill>
@@ -9844,8 +9844,8 @@
         </p:nvSpPr>
         <p:spPr>
           <a:xfrm>
-            <a:off x="2589212" y="1905000"/>
-            <a:ext cx="8915400" cy="3777622"/>
+            <a:off x="2589212" y="1904999"/>
+            <a:ext cx="8915400" cy="4600303"/>
           </a:xfrm>
         </p:spPr>
         <p:txBody>
@@ -10010,6 +10010,17 @@
             </a:r>
           </a:p>
           <a:p>
+            <a:pPr lvl="1"/>
+            <a:r>
+              <a:rPr lang="en-US" sz="2000" b="1" dirty="0">
+                <a:solidFill>
+                  <a:schemeClr val="accent3">
+                    <a:lumMod val="75000"/>
+                  </a:schemeClr>
+                </a:solidFill>
+              </a:rPr>
+              <a:t>Microsoft Technology </a:t>
+            </a:r>
             <a:r>
               <a:rPr lang="en-US" sz="2000" b="1" dirty="0" smtClean="0">
                 <a:solidFill>
@@ -10018,9 +10029,37 @@
                   </a:schemeClr>
                 </a:solidFill>
               </a:rPr>
+              <a:t>Platform</a:t>
+            </a:r>
+          </a:p>
+          <a:p>
+            <a:r>
+              <a:rPr lang="en-US" sz="2000" b="1" dirty="0" smtClean="0">
+                <a:solidFill>
+                  <a:schemeClr val="accent3">
+                    <a:lumMod val="75000"/>
+                  </a:schemeClr>
+                </a:solidFill>
+              </a:rPr>
               <a:t>Phase 3</a:t>
             </a:r>
-            <a:endParaRPr lang="en-US" sz="2000" b="1" dirty="0">
+          </a:p>
+          <a:p>
+            <a:pPr lvl="1"/>
+            <a:r>
+              <a:rPr lang="en-US" sz="2000" b="1" dirty="0">
+                <a:solidFill>
+                  <a:schemeClr val="accent3">
+                    <a:lumMod val="75000"/>
+                  </a:schemeClr>
+                </a:solidFill>
+              </a:rPr>
+              <a:t>Java, Oracle, Linux, and Open Source Technology Platform</a:t>
+            </a:r>
+          </a:p>
+          <a:p>
+            <a:pPr lvl="1"/>
+            <a:endParaRPr lang="en-US" sz="1800" b="1" dirty="0">
               <a:solidFill>
                 <a:schemeClr val="accent3">
                   <a:lumMod val="75000"/>

--- a/DL Travel Experts.pptx
+++ b/DL Travel Experts.pptx
@@ -7789,29 +7789,43 @@
         <p:spPr>
           <a:xfrm>
             <a:off x="2592925" y="1637211"/>
-            <a:ext cx="8915400" cy="4450080"/>
+            <a:ext cx="8915400" cy="5116286"/>
           </a:xfrm>
         </p:spPr>
         <p:txBody>
           <a:bodyPr>
-            <a:normAutofit/>
+            <a:normAutofit fontScale="85000" lnSpcReduction="20000"/>
           </a:bodyPr>
           <a:lstStyle/>
           <a:p>
             <a:r>
-              <a:rPr lang="en-US" sz="2400" b="1" dirty="0" smtClean="0">
-                <a:solidFill>
-                  <a:schemeClr val="accent3">
-                    <a:lumMod val="75000"/>
-                  </a:schemeClr>
-                </a:solidFill>
-              </a:rPr>
-              <a:t>Total Cost for Phase 1: 30,000 </a:t>
-            </a:r>
-          </a:p>
-          <a:p>
-            <a:r>
-              <a:rPr lang="en-US" sz="2400" b="1" dirty="0" smtClean="0">
+              <a:rPr lang="en-US" sz="2400" b="1" dirty="0">
+                <a:solidFill>
+                  <a:schemeClr val="accent3">
+                    <a:lumMod val="75000"/>
+                  </a:schemeClr>
+                </a:solidFill>
+              </a:rPr>
+              <a:t>Phase 1</a:t>
+            </a:r>
+          </a:p>
+          <a:p>
+            <a:pPr lvl="1"/>
+            <a:r>
+              <a:rPr lang="en-US" sz="2200" b="1" dirty="0" smtClean="0">
+                <a:solidFill>
+                  <a:schemeClr val="accent3">
+                    <a:lumMod val="75000"/>
+                  </a:schemeClr>
+                </a:solidFill>
+              </a:rPr>
+              <a:t>Total Cost: 40,000 </a:t>
+            </a:r>
+          </a:p>
+          <a:p>
+            <a:pPr lvl="1"/>
+            <a:r>
+              <a:rPr lang="en-US" sz="2200" b="1" dirty="0" smtClean="0">
                 <a:solidFill>
                   <a:schemeClr val="accent3">
                     <a:lumMod val="75000"/>
@@ -7819,39 +7833,6 @@
                 </a:solidFill>
               </a:rPr>
               <a:t>Estimated cost based on</a:t>
-            </a:r>
-            <a:endParaRPr lang="en-US" sz="2400" b="1" dirty="0" smtClean="0">
-              <a:solidFill>
-                <a:schemeClr val="accent3">
-                  <a:lumMod val="75000"/>
-                </a:schemeClr>
-              </a:solidFill>
-            </a:endParaRPr>
-          </a:p>
-          <a:p>
-            <a:pPr lvl="1"/>
-            <a:r>
-              <a:rPr lang="en-US" sz="2200" b="1" dirty="0" smtClean="0">
-                <a:solidFill>
-                  <a:schemeClr val="accent3">
-                    <a:lumMod val="75000"/>
-                  </a:schemeClr>
-                </a:solidFill>
-              </a:rPr>
-              <a:t>Research and Planning</a:t>
-            </a:r>
-          </a:p>
-          <a:p>
-            <a:pPr lvl="1"/>
-            <a:r>
-              <a:rPr lang="en-US" sz="2200" b="1" dirty="0">
-                <a:solidFill>
-                  <a:schemeClr val="accent3">
-                    <a:lumMod val="75000"/>
-                  </a:schemeClr>
-                </a:solidFill>
-              </a:rPr>
-              <a:t>Solution Design</a:t>
             </a:r>
             <a:endParaRPr lang="en-US" sz="2200" b="1" dirty="0" smtClean="0">
               <a:solidFill>
@@ -7862,6 +7843,116 @@
             </a:endParaRPr>
           </a:p>
           <a:p>
+            <a:pPr lvl="2"/>
+            <a:r>
+              <a:rPr lang="en-US" sz="2000" b="1" dirty="0" smtClean="0">
+                <a:solidFill>
+                  <a:schemeClr val="accent3">
+                    <a:lumMod val="75000"/>
+                  </a:schemeClr>
+                </a:solidFill>
+              </a:rPr>
+              <a:t>Research and Planning</a:t>
+            </a:r>
+          </a:p>
+          <a:p>
+            <a:pPr lvl="2"/>
+            <a:r>
+              <a:rPr lang="en-US" sz="2000" b="1" dirty="0">
+                <a:solidFill>
+                  <a:schemeClr val="accent3">
+                    <a:lumMod val="75000"/>
+                  </a:schemeClr>
+                </a:solidFill>
+              </a:rPr>
+              <a:t>Solution Design</a:t>
+            </a:r>
+            <a:endParaRPr lang="en-US" sz="2000" b="1" dirty="0" smtClean="0">
+              <a:solidFill>
+                <a:schemeClr val="accent3">
+                  <a:lumMod val="75000"/>
+                </a:schemeClr>
+              </a:solidFill>
+            </a:endParaRPr>
+          </a:p>
+          <a:p>
+            <a:pPr lvl="2"/>
+            <a:r>
+              <a:rPr lang="en-US" sz="2000" b="1" dirty="0" smtClean="0">
+                <a:solidFill>
+                  <a:schemeClr val="accent3">
+                    <a:lumMod val="75000"/>
+                  </a:schemeClr>
+                </a:solidFill>
+              </a:rPr>
+              <a:t>Web-Design</a:t>
+            </a:r>
+          </a:p>
+          <a:p>
+            <a:pPr lvl="2"/>
+            <a:r>
+              <a:rPr lang="en-US" sz="2000" b="1" dirty="0" smtClean="0">
+                <a:solidFill>
+                  <a:schemeClr val="accent3">
+                    <a:lumMod val="75000"/>
+                  </a:schemeClr>
+                </a:solidFill>
+              </a:rPr>
+              <a:t>Front-End Development</a:t>
+            </a:r>
+          </a:p>
+          <a:p>
+            <a:pPr lvl="2"/>
+            <a:r>
+              <a:rPr lang="en-US" sz="2000" b="1" dirty="0" smtClean="0">
+                <a:solidFill>
+                  <a:schemeClr val="accent3">
+                    <a:lumMod val="75000"/>
+                  </a:schemeClr>
+                </a:solidFill>
+              </a:rPr>
+              <a:t>Back-End Development</a:t>
+            </a:r>
+          </a:p>
+          <a:p>
+            <a:pPr lvl="2"/>
+            <a:r>
+              <a:rPr lang="en-US" sz="2000" b="1" dirty="0" smtClean="0">
+                <a:solidFill>
+                  <a:schemeClr val="accent3">
+                    <a:lumMod val="75000"/>
+                  </a:schemeClr>
+                </a:solidFill>
+              </a:rPr>
+              <a:t>Testing</a:t>
+            </a:r>
+          </a:p>
+          <a:p>
+            <a:pPr lvl="2"/>
+            <a:r>
+              <a:rPr lang="en-US" sz="2000" b="1" dirty="0" smtClean="0">
+                <a:solidFill>
+                  <a:schemeClr val="accent3">
+                    <a:lumMod val="75000"/>
+                  </a:schemeClr>
+                </a:solidFill>
+              </a:rPr>
+              <a:t>Deployment/Launching a Website</a:t>
+            </a:r>
+          </a:p>
+          <a:p>
+            <a:r>
+              <a:rPr lang="en-US" sz="2400" b="1" dirty="0" smtClean="0">
+                <a:solidFill>
+                  <a:schemeClr val="accent3">
+                    <a:lumMod val="75000"/>
+                  </a:schemeClr>
+                </a:solidFill>
+              </a:rPr>
+              <a:t>Phase 2</a:t>
+            </a:r>
+          </a:p>
+          <a:p>
             <a:pPr lvl="1"/>
             <a:r>
               <a:rPr lang="en-US" sz="2200" b="1" dirty="0" smtClean="0">
@@ -7871,7 +7962,19 @@
                   </a:schemeClr>
                 </a:solidFill>
               </a:rPr>
-              <a:t>Web-Design</a:t>
+              <a:t>Total Cost: 80,000</a:t>
+            </a:r>
+          </a:p>
+          <a:p>
+            <a:r>
+              <a:rPr lang="en-US" sz="2400" b="1" dirty="0" smtClean="0">
+                <a:solidFill>
+                  <a:schemeClr val="accent3">
+                    <a:lumMod val="75000"/>
+                  </a:schemeClr>
+                </a:solidFill>
+              </a:rPr>
+              <a:t>Phase 3</a:t>
             </a:r>
           </a:p>
           <a:p>
@@ -7884,47 +7987,25 @@
                   </a:schemeClr>
                 </a:solidFill>
               </a:rPr>
-              <a:t>Front-End Development</a:t>
-            </a:r>
-          </a:p>
-          <a:p>
-            <a:pPr lvl="1"/>
-            <a:r>
-              <a:rPr lang="en-US" sz="2200" b="1" dirty="0" smtClean="0">
-                <a:solidFill>
-                  <a:schemeClr val="accent3">
-                    <a:lumMod val="75000"/>
-                  </a:schemeClr>
-                </a:solidFill>
-              </a:rPr>
-              <a:t>Back-End Development</a:t>
-            </a:r>
-          </a:p>
-          <a:p>
-            <a:pPr lvl="1"/>
-            <a:r>
-              <a:rPr lang="en-US" sz="2200" b="1" dirty="0" smtClean="0">
-                <a:solidFill>
-                  <a:schemeClr val="accent3">
-                    <a:lumMod val="75000"/>
-                  </a:schemeClr>
-                </a:solidFill>
-              </a:rPr>
-              <a:t>Testing</a:t>
-            </a:r>
-          </a:p>
-          <a:p>
-            <a:pPr lvl="1"/>
-            <a:r>
-              <a:rPr lang="en-US" sz="2200" b="1" dirty="0" smtClean="0">
-                <a:solidFill>
-                  <a:schemeClr val="accent3">
-                    <a:lumMod val="75000"/>
-                  </a:schemeClr>
-                </a:solidFill>
-              </a:rPr>
-              <a:t>Deployment/Launching a Website</a:t>
-            </a:r>
+              <a:t>Total </a:t>
+            </a:r>
+            <a:r>
+              <a:rPr lang="en-US" sz="2200" b="1" smtClean="0">
+                <a:solidFill>
+                  <a:schemeClr val="accent3">
+                    <a:lumMod val="75000"/>
+                  </a:schemeClr>
+                </a:solidFill>
+              </a:rPr>
+              <a:t>Cost: 80,000</a:t>
+            </a:r>
+            <a:endParaRPr lang="en-US" sz="2200" b="1" dirty="0" smtClean="0">
+              <a:solidFill>
+                <a:schemeClr val="accent3">
+                  <a:lumMod val="75000"/>
+                </a:schemeClr>
+              </a:solidFill>
+            </a:endParaRPr>
           </a:p>
           <a:p>
             <a:pPr lvl="1"/>
